--- a/docs/surf_dCache_10_08.pptx
+++ b/docs/surf_dCache_10_08.pptx
@@ -5,14 +5,15 @@
     <p:sldMasterId id="2147483648" r:id="rId4"/>
   </p:sldMasterIdLst>
   <p:notesMasterIdLst>
-    <p:notesMasterId r:id="rId7"/>
+    <p:notesMasterId r:id="rId8"/>
   </p:notesMasterIdLst>
   <p:handoutMasterIdLst>
-    <p:handoutMasterId r:id="rId8"/>
+    <p:handoutMasterId r:id="rId9"/>
   </p:handoutMasterIdLst>
   <p:sldIdLst>
-    <p:sldId id="390" r:id="rId5"/>
-    <p:sldId id="420" r:id="rId6"/>
+    <p:sldId id="259" r:id="rId5"/>
+    <p:sldId id="390" r:id="rId6"/>
+    <p:sldId id="420" r:id="rId7"/>
   </p:sldIdLst>
   <p:sldSz cx="9144000" cy="5143500" type="screen16x9"/>
   <p:notesSz cx="6858000" cy="9144000"/>
@@ -215,7 +216,7 @@
           <a:p>
             <a:fld id="{243AB38A-B1B6-4CF4-9737-E1E5C73DA86F}" type="datetimeFigureOut">
               <a:rPr lang="nl-NL" smtClean="0"/>
-              <a:t>10-8-2023</a:t>
+              <a:t>22-11-2023</a:t>
             </a:fld>
             <a:endParaRPr lang="nl-NL"/>
           </a:p>
@@ -380,7 +381,7 @@
           <a:p>
             <a:fld id="{87012C6B-C807-4014-B6D4-CCA33426A2F8}" type="datetimeFigureOut">
               <a:rPr lang="nl-NL" smtClean="0"/>
-              <a:t>10-8-2023</a:t>
+              <a:t>22-11-2023</a:t>
             </a:fld>
             <a:endParaRPr lang="nl-NL"/>
           </a:p>
@@ -645,6 +646,95 @@
     </a:lvl9pPr>
   </p:notesStyle>
 </p:notesMaster>
+</file>
+
+<file path=ppt/notesSlides/notesSlide1.xml><?xml version="1.0" encoding="utf-8"?>
+<p:notes xmlns:a="http://schemas.openxmlformats.org/drawingml/2006/main" xmlns:r="http://schemas.openxmlformats.org/officeDocument/2006/relationships" xmlns:p="http://schemas.openxmlformats.org/presentationml/2006/main">
+  <p:cSld>
+    <p:spTree>
+      <p:nvGrpSpPr>
+        <p:cNvPr id="1" name=""/>
+        <p:cNvGrpSpPr/>
+        <p:nvPr/>
+      </p:nvGrpSpPr>
+      <p:grpSpPr>
+        <a:xfrm>
+          <a:off x="0" y="0"/>
+          <a:ext cx="0" cy="0"/>
+          <a:chOff x="0" y="0"/>
+          <a:chExt cx="0" cy="0"/>
+        </a:xfrm>
+      </p:grpSpPr>
+      <p:sp>
+        <p:nvSpPr>
+          <p:cNvPr id="2" name="Tijdelijke aanduiding voor dia-afbeelding 1"/>
+          <p:cNvSpPr>
+            <a:spLocks noGrp="1" noRot="1" noChangeAspect="1"/>
+          </p:cNvSpPr>
+          <p:nvPr>
+            <p:ph type="sldImg"/>
+          </p:nvPr>
+        </p:nvSpPr>
+        <p:spPr>
+          <a:xfrm>
+            <a:off x="685800" y="1143000"/>
+            <a:ext cx="5486400" cy="3086100"/>
+          </a:xfrm>
+        </p:spPr>
+      </p:sp>
+      <p:sp>
+        <p:nvSpPr>
+          <p:cNvPr id="3" name="Tijdelijke aanduiding voor notities 2"/>
+          <p:cNvSpPr>
+            <a:spLocks noGrp="1"/>
+          </p:cNvSpPr>
+          <p:nvPr>
+            <p:ph type="body" idx="1"/>
+          </p:nvPr>
+        </p:nvSpPr>
+        <p:spPr/>
+        <p:txBody>
+          <a:bodyPr/>
+          <a:lstStyle/>
+          <a:p>
+            <a:endParaRPr lang="en-US" dirty="0"/>
+          </a:p>
+        </p:txBody>
+      </p:sp>
+      <p:sp>
+        <p:nvSpPr>
+          <p:cNvPr id="4" name="Tijdelijke aanduiding voor dianummer 3"/>
+          <p:cNvSpPr>
+            <a:spLocks noGrp="1"/>
+          </p:cNvSpPr>
+          <p:nvPr>
+            <p:ph type="sldNum" sz="quarter" idx="10"/>
+          </p:nvPr>
+        </p:nvSpPr>
+        <p:spPr/>
+        <p:txBody>
+          <a:bodyPr/>
+          <a:lstStyle/>
+          <a:p>
+            <a:fld id="{E05A9740-BD37-4DCA-BDC4-7DBBAE15FA30}" type="slidenum">
+              <a:rPr lang="en-US" smtClean="0"/>
+              <a:t>1</a:t>
+            </a:fld>
+            <a:endParaRPr lang="en-US" dirty="0"/>
+          </a:p>
+        </p:txBody>
+      </p:sp>
+    </p:spTree>
+    <p:extLst>
+      <p:ext uri="{BB962C8B-B14F-4D97-AF65-F5344CB8AC3E}">
+        <p14:creationId xmlns:p14="http://schemas.microsoft.com/office/powerpoint/2010/main" val="2397396838"/>
+      </p:ext>
+    </p:extLst>
+  </p:cSld>
+  <p:clrMapOvr>
+    <a:masterClrMapping/>
+  </p:clrMapOvr>
+</p:notes>
 </file>
 
 <file path=ppt/slideLayouts/slideLayout1.xml><?xml version="1.0" encoding="utf-8"?>
@@ -3835,6 +3925,536 @@
           <a:chExt cx="0" cy="0"/>
         </a:xfrm>
       </p:grpSpPr>
+      <p:pic>
+        <p:nvPicPr>
+          <p:cNvPr id="32" name="Tijdelijke aanduiding voor afbeelding 31"/>
+          <p:cNvPicPr>
+            <a:picLocks noGrp="1" noChangeAspect="1"/>
+          </p:cNvPicPr>
+          <p:nvPr>
+            <p:ph type="pic" sz="quarter" idx="11"/>
+          </p:nvPr>
+        </p:nvPicPr>
+        <p:blipFill>
+          <a:blip r:embed="rId3" cstate="print">
+            <a:extLst>
+              <a:ext uri="{28A0092B-C50C-407E-A947-70E740481C1C}">
+                <a14:useLocalDpi xmlns:a14="http://schemas.microsoft.com/office/drawing/2010/main" val="0"/>
+              </a:ext>
+            </a:extLst>
+          </a:blip>
+          <a:srcRect t="10824" b="10824"/>
+          <a:stretch>
+            <a:fillRect/>
+          </a:stretch>
+        </p:blipFill>
+        <p:spPr/>
+      </p:pic>
+      <p:sp>
+        <p:nvSpPr>
+          <p:cNvPr id="6" name="Tijdelijke aanduiding voor tekst 5"/>
+          <p:cNvSpPr>
+            <a:spLocks noGrp="1"/>
+          </p:cNvSpPr>
+          <p:nvPr>
+            <p:ph type="body" sz="quarter" idx="12"/>
+          </p:nvPr>
+        </p:nvSpPr>
+        <p:spPr>
+          <a:xfrm>
+            <a:off x="0" y="3943351"/>
+            <a:ext cx="9144000" cy="627063"/>
+          </a:xfrm>
+        </p:spPr>
+        <p:txBody>
+          <a:bodyPr/>
+          <a:lstStyle/>
+          <a:p>
+            <a:r>
+              <a:rPr lang="nl-NL" dirty="0"/>
+              <a:t>                                                                                                                                                                Aug 08, 2023</a:t>
+            </a:r>
+          </a:p>
+        </p:txBody>
+      </p:sp>
+      <p:sp>
+        <p:nvSpPr>
+          <p:cNvPr id="4" name="Ondertitel 3"/>
+          <p:cNvSpPr>
+            <a:spLocks noGrp="1"/>
+          </p:cNvSpPr>
+          <p:nvPr>
+            <p:ph type="subTitle" idx="1"/>
+          </p:nvPr>
+        </p:nvSpPr>
+        <p:spPr>
+          <a:xfrm>
+            <a:off x="-1" y="3354482"/>
+            <a:ext cx="8788403" cy="627063"/>
+          </a:xfrm>
+        </p:spPr>
+        <p:txBody>
+          <a:bodyPr/>
+          <a:lstStyle/>
+          <a:p>
+            <a:r>
+              <a:rPr lang="nl-NL" dirty="0"/>
+              <a:t>                                                                                                                              Haftom Hailu</a:t>
+            </a:r>
+          </a:p>
+          <a:p>
+            <a:r>
+              <a:rPr lang="nl-NL" dirty="0"/>
+              <a:t>                                                                                          </a:t>
+            </a:r>
+            <a:r>
+              <a:rPr lang="nl-NL" dirty="0" err="1"/>
+              <a:t>Discussion</a:t>
+            </a:r>
+            <a:r>
+              <a:rPr lang="nl-NL" dirty="0"/>
+              <a:t> </a:t>
+            </a:r>
+            <a:r>
+              <a:rPr lang="nl-NL" dirty="0" err="1"/>
+              <a:t>and</a:t>
+            </a:r>
+            <a:r>
+              <a:rPr lang="nl-NL" dirty="0"/>
+              <a:t> question </a:t>
+            </a:r>
+            <a:r>
+              <a:rPr lang="nl-NL" dirty="0" err="1"/>
+              <a:t>session</a:t>
+            </a:r>
+            <a:r>
+              <a:rPr lang="nl-NL" dirty="0"/>
+              <a:t> </a:t>
+            </a:r>
+            <a:r>
+              <a:rPr lang="nl-NL" dirty="0" err="1"/>
+              <a:t>with</a:t>
+            </a:r>
+            <a:r>
+              <a:rPr lang="nl-NL" dirty="0"/>
+              <a:t> Surf</a:t>
+            </a:r>
+          </a:p>
+        </p:txBody>
+      </p:sp>
+      <p:sp>
+        <p:nvSpPr>
+          <p:cNvPr id="3" name="Titel 2"/>
+          <p:cNvSpPr>
+            <a:spLocks noGrp="1"/>
+          </p:cNvSpPr>
+          <p:nvPr>
+            <p:ph type="ctrTitle"/>
+          </p:nvPr>
+        </p:nvSpPr>
+        <p:spPr>
+          <a:xfrm>
+            <a:off x="-2" y="2418449"/>
+            <a:ext cx="9144000" cy="848643"/>
+          </a:xfrm>
+        </p:spPr>
+        <p:txBody>
+          <a:bodyPr>
+            <a:normAutofit fontScale="90000"/>
+          </a:bodyPr>
+          <a:lstStyle/>
+          <a:p>
+            <a:r>
+              <a:rPr lang="nl-NL" dirty="0" err="1"/>
+              <a:t>Designing</a:t>
+            </a:r>
+            <a:r>
+              <a:rPr lang="nl-NL" dirty="0"/>
+              <a:t> </a:t>
+            </a:r>
+            <a:r>
+              <a:rPr lang="nl-NL" dirty="0" err="1"/>
+              <a:t>the</a:t>
+            </a:r>
+            <a:r>
+              <a:rPr lang="nl-NL" dirty="0"/>
+              <a:t> </a:t>
+            </a:r>
+            <a:r>
+              <a:rPr lang="nl-NL" dirty="0" err="1"/>
+              <a:t>national</a:t>
+            </a:r>
+            <a:r>
+              <a:rPr lang="nl-NL" dirty="0"/>
+              <a:t> HPC </a:t>
+            </a:r>
+            <a:r>
+              <a:rPr lang="nl-NL" dirty="0" err="1"/>
+              <a:t>and</a:t>
+            </a:r>
+            <a:r>
+              <a:rPr lang="nl-NL" dirty="0"/>
+              <a:t> public </a:t>
+            </a:r>
+            <a:r>
+              <a:rPr lang="nl-NL" dirty="0" err="1"/>
+              <a:t>cloud-based</a:t>
+            </a:r>
+            <a:r>
+              <a:rPr lang="nl-NL" dirty="0"/>
+              <a:t> </a:t>
+            </a:r>
+            <a:r>
+              <a:rPr lang="nl-NL" dirty="0" err="1"/>
+              <a:t>solutions</a:t>
+            </a:r>
+            <a:r>
+              <a:rPr lang="nl-NL" dirty="0"/>
+              <a:t> </a:t>
+            </a:r>
+            <a:r>
+              <a:rPr lang="nl-NL" dirty="0" err="1"/>
+              <a:t>for</a:t>
+            </a:r>
+            <a:r>
+              <a:rPr lang="nl-NL" dirty="0"/>
+              <a:t> </a:t>
+            </a:r>
+            <a:r>
+              <a:rPr lang="nl-NL" dirty="0" err="1"/>
+              <a:t>the</a:t>
+            </a:r>
+            <a:r>
+              <a:rPr lang="nl-NL" dirty="0"/>
+              <a:t> data-</a:t>
+            </a:r>
+            <a:r>
+              <a:rPr lang="nl-NL" dirty="0" err="1"/>
+              <a:t>driven</a:t>
+            </a:r>
+            <a:r>
+              <a:rPr lang="nl-NL" dirty="0"/>
+              <a:t> </a:t>
+            </a:r>
+            <a:r>
+              <a:rPr lang="nl-NL" dirty="0" err="1"/>
+              <a:t>animal</a:t>
+            </a:r>
+            <a:r>
+              <a:rPr lang="nl-NL" dirty="0"/>
+              <a:t> </a:t>
+            </a:r>
+            <a:r>
+              <a:rPr lang="nl-NL" dirty="0" err="1"/>
+              <a:t>behavior</a:t>
+            </a:r>
+            <a:r>
+              <a:rPr lang="nl-NL" dirty="0"/>
+              <a:t> </a:t>
+            </a:r>
+            <a:r>
+              <a:rPr lang="nl-NL" dirty="0" err="1"/>
+              <a:t>detection</a:t>
+            </a:r>
+            <a:br>
+              <a:rPr lang="nl-NL" dirty="0"/>
+            </a:br>
+            <a:endParaRPr lang="nl-NL" dirty="0"/>
+          </a:p>
+        </p:txBody>
+      </p:sp>
+      <p:sp>
+        <p:nvSpPr>
+          <p:cNvPr id="2" name="Tijdelijke aanduiding voor tekst 5">
+            <a:extLst>
+              <a:ext uri="{FF2B5EF4-FFF2-40B4-BE49-F238E27FC236}">
+                <a16:creationId xmlns:a16="http://schemas.microsoft.com/office/drawing/2014/main" id="{F2D7BE72-34A3-C1AF-4D11-58B1F4B03560}"/>
+              </a:ext>
+            </a:extLst>
+          </p:cNvPr>
+          <p:cNvSpPr txBox="1">
+            <a:spLocks/>
+          </p:cNvSpPr>
+          <p:nvPr/>
+        </p:nvSpPr>
+        <p:spPr>
+          <a:xfrm>
+            <a:off x="-2" y="4019741"/>
+            <a:ext cx="8928108" cy="122175"/>
+          </a:xfrm>
+          <a:prstGeom prst="rect">
+            <a:avLst/>
+          </a:prstGeom>
+          <a:solidFill>
+            <a:schemeClr val="tx2">
+              <a:alpha val="70000"/>
+            </a:schemeClr>
+          </a:solidFill>
+        </p:spPr>
+        <p:txBody>
+          <a:bodyPr vert="horz" lIns="608400" tIns="0" rIns="608400" bIns="262800" rtlCol="0" anchor="b" anchorCtr="0">
+            <a:noAutofit/>
+          </a:bodyPr>
+          <a:lstStyle>
+            <a:lvl1pPr marL="0" indent="0" algn="l" defTabSz="514350" rtl="0" eaLnBrk="1" latinLnBrk="0" hangingPunct="1">
+              <a:lnSpc>
+                <a:spcPts val="1200"/>
+              </a:lnSpc>
+              <a:spcBef>
+                <a:spcPts val="0"/>
+              </a:spcBef>
+              <a:spcAft>
+                <a:spcPts val="0"/>
+              </a:spcAft>
+              <a:buFont typeface="Arial" panose="020B0604020202020204" pitchFamily="34" charset="0"/>
+              <a:buNone/>
+              <a:defRPr sz="1200" kern="1200" baseline="0">
+                <a:solidFill>
+                  <a:schemeClr val="bg1"/>
+                </a:solidFill>
+                <a:latin typeface="+mn-lt"/>
+                <a:ea typeface="+mn-ea"/>
+                <a:cs typeface="+mn-cs"/>
+              </a:defRPr>
+            </a:lvl1pPr>
+            <a:lvl2pPr marL="0" indent="0" algn="l" defTabSz="514350" rtl="0" eaLnBrk="1" latinLnBrk="0" hangingPunct="1">
+              <a:lnSpc>
+                <a:spcPct val="100000"/>
+              </a:lnSpc>
+              <a:spcBef>
+                <a:spcPts val="413"/>
+              </a:spcBef>
+              <a:spcAft>
+                <a:spcPts val="413"/>
+              </a:spcAft>
+              <a:buFont typeface="Arial" panose="020B0604020202020204" pitchFamily="34" charset="0"/>
+              <a:buNone/>
+              <a:defRPr sz="1950" kern="1200">
+                <a:solidFill>
+                  <a:schemeClr val="bg2"/>
+                </a:solidFill>
+                <a:latin typeface="+mn-lt"/>
+                <a:ea typeface="+mn-ea"/>
+                <a:cs typeface="+mn-cs"/>
+              </a:defRPr>
+            </a:lvl2pPr>
+            <a:lvl3pPr marL="202500" indent="-202500" algn="l" defTabSz="514350" rtl="0" eaLnBrk="1" latinLnBrk="0" hangingPunct="1">
+              <a:lnSpc>
+                <a:spcPct val="100000"/>
+              </a:lnSpc>
+              <a:spcBef>
+                <a:spcPts val="413"/>
+              </a:spcBef>
+              <a:buClr>
+                <a:schemeClr val="bg2"/>
+              </a:buClr>
+              <a:buSzPct val="100000"/>
+              <a:buFont typeface="Arial" panose="020B0604020202020204" pitchFamily="34" charset="0"/>
+              <a:buChar char="•"/>
+              <a:defRPr sz="1650" kern="1200">
+                <a:solidFill>
+                  <a:schemeClr val="bg2"/>
+                </a:solidFill>
+                <a:latin typeface="+mn-lt"/>
+                <a:ea typeface="+mn-ea"/>
+                <a:cs typeface="+mn-cs"/>
+              </a:defRPr>
+            </a:lvl3pPr>
+            <a:lvl4pPr marL="405000" indent="-202500" algn="l" defTabSz="514350" rtl="0" eaLnBrk="1" latinLnBrk="0" hangingPunct="1">
+              <a:lnSpc>
+                <a:spcPct val="100000"/>
+              </a:lnSpc>
+              <a:spcBef>
+                <a:spcPts val="0"/>
+              </a:spcBef>
+              <a:buClr>
+                <a:schemeClr val="bg2"/>
+              </a:buClr>
+              <a:buFont typeface="Arial" panose="020B0604020202020204" pitchFamily="34" charset="0"/>
+              <a:buChar char="•"/>
+              <a:defRPr sz="1500" kern="1200">
+                <a:solidFill>
+                  <a:schemeClr val="bg2"/>
+                </a:solidFill>
+                <a:latin typeface="+mn-lt"/>
+                <a:ea typeface="+mn-ea"/>
+                <a:cs typeface="+mn-cs"/>
+              </a:defRPr>
+            </a:lvl4pPr>
+            <a:lvl5pPr marL="607500" indent="-202500" algn="l" defTabSz="514350" rtl="0" eaLnBrk="1" latinLnBrk="0" hangingPunct="1">
+              <a:lnSpc>
+                <a:spcPct val="100000"/>
+              </a:lnSpc>
+              <a:spcBef>
+                <a:spcPts val="0"/>
+              </a:spcBef>
+              <a:buFont typeface="Arial" panose="020B0604020202020204" pitchFamily="34" charset="0"/>
+              <a:buChar char="•"/>
+              <a:defRPr sz="1350" kern="1200">
+                <a:solidFill>
+                  <a:schemeClr val="bg2"/>
+                </a:solidFill>
+                <a:latin typeface="+mn-lt"/>
+                <a:ea typeface="+mn-ea"/>
+                <a:cs typeface="+mn-cs"/>
+              </a:defRPr>
+            </a:lvl5pPr>
+            <a:lvl6pPr marL="1414463" indent="-128588" algn="l" defTabSz="514350" rtl="0" eaLnBrk="1" latinLnBrk="0" hangingPunct="1">
+              <a:lnSpc>
+                <a:spcPct val="90000"/>
+              </a:lnSpc>
+              <a:spcBef>
+                <a:spcPts val="281"/>
+              </a:spcBef>
+              <a:buFont typeface="Arial" panose="020B0604020202020204" pitchFamily="34" charset="0"/>
+              <a:buChar char="•"/>
+              <a:defRPr sz="1013" kern="1200">
+                <a:solidFill>
+                  <a:schemeClr val="tx1"/>
+                </a:solidFill>
+                <a:latin typeface="+mn-lt"/>
+                <a:ea typeface="+mn-ea"/>
+                <a:cs typeface="+mn-cs"/>
+              </a:defRPr>
+            </a:lvl6pPr>
+            <a:lvl7pPr marL="1671638" indent="-128588" algn="l" defTabSz="514350" rtl="0" eaLnBrk="1" latinLnBrk="0" hangingPunct="1">
+              <a:lnSpc>
+                <a:spcPct val="90000"/>
+              </a:lnSpc>
+              <a:spcBef>
+                <a:spcPts val="281"/>
+              </a:spcBef>
+              <a:buFont typeface="Arial" panose="020B0604020202020204" pitchFamily="34" charset="0"/>
+              <a:buChar char="•"/>
+              <a:defRPr sz="1013" kern="1200">
+                <a:solidFill>
+                  <a:schemeClr val="tx1"/>
+                </a:solidFill>
+                <a:latin typeface="+mn-lt"/>
+                <a:ea typeface="+mn-ea"/>
+                <a:cs typeface="+mn-cs"/>
+              </a:defRPr>
+            </a:lvl7pPr>
+            <a:lvl8pPr marL="1928813" indent="-128588" algn="l" defTabSz="514350" rtl="0" eaLnBrk="1" latinLnBrk="0" hangingPunct="1">
+              <a:lnSpc>
+                <a:spcPct val="90000"/>
+              </a:lnSpc>
+              <a:spcBef>
+                <a:spcPts val="281"/>
+              </a:spcBef>
+              <a:buFont typeface="Arial" panose="020B0604020202020204" pitchFamily="34" charset="0"/>
+              <a:buChar char="•"/>
+              <a:defRPr sz="1013" kern="1200">
+                <a:solidFill>
+                  <a:schemeClr val="tx1"/>
+                </a:solidFill>
+                <a:latin typeface="+mn-lt"/>
+                <a:ea typeface="+mn-ea"/>
+                <a:cs typeface="+mn-cs"/>
+              </a:defRPr>
+            </a:lvl8pPr>
+            <a:lvl9pPr marL="2185988" indent="-128588" algn="l" defTabSz="514350" rtl="0" eaLnBrk="1" latinLnBrk="0" hangingPunct="1">
+              <a:lnSpc>
+                <a:spcPct val="90000"/>
+              </a:lnSpc>
+              <a:spcBef>
+                <a:spcPts val="281"/>
+              </a:spcBef>
+              <a:buFont typeface="Arial" panose="020B0604020202020204" pitchFamily="34" charset="0"/>
+              <a:buChar char="•"/>
+              <a:defRPr sz="1013" kern="1200">
+                <a:solidFill>
+                  <a:schemeClr val="tx1"/>
+                </a:solidFill>
+                <a:latin typeface="+mn-lt"/>
+                <a:ea typeface="+mn-ea"/>
+                <a:cs typeface="+mn-cs"/>
+              </a:defRPr>
+            </a:lvl9pPr>
+          </a:lstStyle>
+          <a:p>
+            <a:r>
+              <a:rPr lang="nl-NL" dirty="0"/>
+              <a:t>                                                                                                                                      </a:t>
+            </a:r>
+          </a:p>
+          <a:p>
+            <a:endParaRPr lang="nl-NL" dirty="0"/>
+          </a:p>
+        </p:txBody>
+      </p:sp>
+      <p:pic>
+        <p:nvPicPr>
+          <p:cNvPr id="5" name="Content Placeholder 5">
+            <a:extLst>
+              <a:ext uri="{FF2B5EF4-FFF2-40B4-BE49-F238E27FC236}">
+                <a16:creationId xmlns:a16="http://schemas.microsoft.com/office/drawing/2014/main" id="{3AF115FE-3AE9-FCCF-B5AD-8BF1808E8D17}"/>
+              </a:ext>
+            </a:extLst>
+          </p:cNvPr>
+          <p:cNvPicPr>
+            <a:picLocks noChangeAspect="1"/>
+          </p:cNvPicPr>
+          <p:nvPr/>
+        </p:nvPicPr>
+        <p:blipFill>
+          <a:blip r:embed="rId4"/>
+          <a:stretch>
+            <a:fillRect/>
+          </a:stretch>
+        </p:blipFill>
+        <p:spPr>
+          <a:xfrm>
+            <a:off x="8659982" y="4734194"/>
+            <a:ext cx="484016" cy="366374"/>
+          </a:xfrm>
+          <a:prstGeom prst="rect">
+            <a:avLst/>
+          </a:prstGeom>
+        </p:spPr>
+      </p:pic>
+    </p:spTree>
+    <p:extLst>
+      <p:ext uri="{BB962C8B-B14F-4D97-AF65-F5344CB8AC3E}">
+        <p14:creationId xmlns:p14="http://schemas.microsoft.com/office/powerpoint/2010/main" val="748930153"/>
+      </p:ext>
+    </p:extLst>
+  </p:cSld>
+  <p:clrMapOvr>
+    <a:masterClrMapping/>
+  </p:clrMapOvr>
+  <mc:AlternateContent xmlns:mc="http://schemas.openxmlformats.org/markup-compatibility/2006" xmlns:p14="http://schemas.microsoft.com/office/powerpoint/2010/main">
+    <mc:Choice Requires="p14">
+      <p:transition spd="med" p14:dur="700">
+        <p:fade/>
+      </p:transition>
+    </mc:Choice>
+    <mc:Fallback xmlns="">
+      <p:transition spd="med">
+        <p:fade/>
+      </p:transition>
+    </mc:Fallback>
+  </mc:AlternateContent>
+</p:sld>
+</file>
+
+<file path=ppt/slides/slide2.xml><?xml version="1.0" encoding="utf-8"?>
+<p:sld xmlns:a="http://schemas.openxmlformats.org/drawingml/2006/main" xmlns:r="http://schemas.openxmlformats.org/officeDocument/2006/relationships" xmlns:p="http://schemas.openxmlformats.org/presentationml/2006/main" showMasterSp="0">
+  <p:cSld>
+    <p:spTree>
+      <p:nvGrpSpPr>
+        <p:cNvPr id="1" name=""/>
+        <p:cNvGrpSpPr/>
+        <p:nvPr/>
+      </p:nvGrpSpPr>
+      <p:grpSpPr>
+        <a:xfrm>
+          <a:off x="0" y="0"/>
+          <a:ext cx="0" cy="0"/>
+          <a:chOff x="0" y="0"/>
+          <a:chExt cx="0" cy="0"/>
+        </a:xfrm>
+      </p:grpSpPr>
       <p:sp>
         <p:nvSpPr>
           <p:cNvPr id="7" name="Rectangle 6">
@@ -4440,7 +5060,7 @@
 </p:sld>
 </file>
 
-<file path=ppt/slides/slide2.xml><?xml version="1.0" encoding="utf-8"?>
+<file path=ppt/slides/slide3.xml><?xml version="1.0" encoding="utf-8"?>
 <p:sld xmlns:a="http://schemas.openxmlformats.org/drawingml/2006/main" xmlns:r="http://schemas.openxmlformats.org/officeDocument/2006/relationships" xmlns:p="http://schemas.openxmlformats.org/presentationml/2006/main" showMasterSp="0">
   <p:cSld>
     <p:spTree>
@@ -5358,14 +5978,14 @@
 </file>
 
 <file path=customXml/item1.xml><?xml version="1.0" encoding="utf-8"?>
-<?mso-contentType ?>
-<FormTemplates xmlns="http://schemas.microsoft.com/sharepoint/v3/contenttype/forms"/>
+<p:properties xmlns:p="http://schemas.microsoft.com/office/2006/metadata/properties" xmlns:xsi="http://www.w3.org/2001/XMLSchema-instance" xmlns:pc="http://schemas.microsoft.com/office/infopath/2007/PartnerControls">
+  <documentManagement/>
+</p:properties>
 </file>
 
 <file path=customXml/item2.xml><?xml version="1.0" encoding="utf-8"?>
-<p:properties xmlns:p="http://schemas.microsoft.com/office/2006/metadata/properties" xmlns:xsi="http://www.w3.org/2001/XMLSchema-instance" xmlns:pc="http://schemas.microsoft.com/office/infopath/2007/PartnerControls">
-  <documentManagement/>
-</p:properties>
+<?mso-contentType ?>
+<FormTemplates xmlns="http://schemas.microsoft.com/sharepoint/v3/contenttype/forms"/>
 </file>
 
 <file path=customXml/item3.xml><?xml version="1.0" encoding="utf-8"?>
@@ -5515,18 +6135,18 @@
 </file>
 
 <file path=customXml/itemProps1.xml><?xml version="1.0" encoding="utf-8"?>
-<ds:datastoreItem xmlns:ds="http://schemas.openxmlformats.org/officeDocument/2006/customXml" ds:itemID="{34359BDD-17F1-413B-999E-1C506CDBF331}">
+<ds:datastoreItem xmlns:ds="http://schemas.openxmlformats.org/officeDocument/2006/customXml" ds:itemID="{6643C7E4-0230-49FC-BDCE-3B8DA6D4401C}">
   <ds:schemaRefs>
-    <ds:schemaRef ds:uri="http://schemas.microsoft.com/sharepoint/v3/contenttype/forms"/>
+    <ds:schemaRef ds:uri="http://schemas.microsoft.com/office/2006/metadata/properties"/>
+    <ds:schemaRef ds:uri="http://schemas.microsoft.com/office/infopath/2007/PartnerControls"/>
   </ds:schemaRefs>
 </ds:datastoreItem>
 </file>
 
 <file path=customXml/itemProps2.xml><?xml version="1.0" encoding="utf-8"?>
-<ds:datastoreItem xmlns:ds="http://schemas.openxmlformats.org/officeDocument/2006/customXml" ds:itemID="{6643C7E4-0230-49FC-BDCE-3B8DA6D4401C}">
+<ds:datastoreItem xmlns:ds="http://schemas.openxmlformats.org/officeDocument/2006/customXml" ds:itemID="{34359BDD-17F1-413B-999E-1C506CDBF331}">
   <ds:schemaRefs>
-    <ds:schemaRef ds:uri="http://schemas.microsoft.com/office/2006/metadata/properties"/>
-    <ds:schemaRef ds:uri="http://schemas.microsoft.com/office/infopath/2007/PartnerControls"/>
+    <ds:schemaRef ds:uri="http://schemas.microsoft.com/sharepoint/v3/contenttype/forms"/>
   </ds:schemaRefs>
 </ds:datastoreItem>
 </file>
